--- a/ALFREDO PRESENTAZIONE TESI.pptx
+++ b/ALFREDO PRESENTAZIONE TESI.pptx
@@ -125,14 +125,6 @@
     </p:ext>
   </p:extLst>
 </p:presentation>
-</file>
-
-<file path=ppt/revisionInfo.xml><?xml version="1.0" encoding="utf-8"?>
-<p1510:revInfo xmlns:a="http://schemas.openxmlformats.org/drawingml/2006/main" xmlns:r="http://schemas.openxmlformats.org/officeDocument/2006/relationships" xmlns:p1510="http://schemas.microsoft.com/office/powerpoint/2015/10/main">
-  <p1510:revLst>
-    <p1510:client id="{46429BBE-1029-4CD3-AF54-ECB92C7EDCB7}" v="3" dt="2022-12-11T22:44:40.027"/>
-  </p1510:revLst>
-</p1510:revInfo>
 </file>
 
 <file path=ppt/changesInfos/changesInfo1.xml><?xml version="1.0" encoding="utf-8"?>
@@ -344,6 +336,22 @@
       </pc:sldChg>
     </pc:docChg>
   </pc:docChgLst>
+  <pc:docChgLst>
+    <pc:chgData name="Alfredo Mungari" userId="76eb065ff4567da4" providerId="LiveId" clId="{07D253C2-EF69-4225-BA3A-3C86444B2DE6}"/>
+    <pc:docChg chg="modSld">
+      <pc:chgData name="Alfredo Mungari" userId="76eb065ff4567da4" providerId="LiveId" clId="{07D253C2-EF69-4225-BA3A-3C86444B2DE6}" dt="2022-12-13T10:42:05.554" v="34"/>
+      <pc:docMkLst>
+        <pc:docMk/>
+      </pc:docMkLst>
+      <pc:sldChg chg="modNotesTx">
+        <pc:chgData name="Alfredo Mungari" userId="76eb065ff4567da4" providerId="LiveId" clId="{07D253C2-EF69-4225-BA3A-3C86444B2DE6}" dt="2022-12-13T10:42:05.554" v="34"/>
+        <pc:sldMkLst>
+          <pc:docMk/>
+          <pc:sldMk cId="3542611687" sldId="258"/>
+        </pc:sldMkLst>
+      </pc:sldChg>
+    </pc:docChg>
+  </pc:docChgLst>
 </pc:chgInfo>
 </file>
 
@@ -429,7 +437,7 @@
           <a:p>
             <a:fld id="{9557BFDC-DBF4-4621-BD0E-7FBEF7E6EFCC}" type="datetimeFigureOut">
               <a:rPr lang="it-IT" smtClean="0"/>
-              <a:t>11/12/2022</a:t>
+              <a:t>13/12/2022</a:t>
             </a:fld>
             <a:endParaRPr lang="it-IT"/>
           </a:p>
@@ -849,31 +857,93 @@
             </a:pPr>
             <a:r>
               <a:rPr lang="it-IT" b="0" i="0" dirty="0">
+                <a:solidFill>
+                  <a:srgbClr val="202124"/>
+                </a:solidFill>
                 <a:effectLst/>
-                <a:latin typeface="Arial" panose="020B0604020202020204" pitchFamily="34" charset="0"/>
+                <a:latin typeface="Roboto" panose="020B0604020202020204" pitchFamily="2" charset="0"/>
               </a:rPr>
-              <a:t>La motivazione della mia tesi nasce da uno studio di risk </a:t>
+              <a:t>Il mio progetto di tesi nasce da uno studio di risk </a:t>
             </a:r>
             <a:r>
               <a:rPr lang="it-IT" b="0" i="0" dirty="0" err="1">
+                <a:solidFill>
+                  <a:srgbClr val="202124"/>
+                </a:solidFill>
                 <a:effectLst/>
-                <a:latin typeface="Arial" panose="020B0604020202020204" pitchFamily="34" charset="0"/>
+                <a:latin typeface="Roboto" panose="020B0604020202020204" pitchFamily="2" charset="0"/>
               </a:rPr>
               <a:t>assessment</a:t>
             </a:r>
             <a:r>
               <a:rPr lang="it-IT" b="0" i="0" dirty="0">
+                <a:solidFill>
+                  <a:srgbClr val="202124"/>
+                </a:solidFill>
                 <a:effectLst/>
-                <a:latin typeface="Arial" panose="020B0604020202020204" pitchFamily="34" charset="0"/>
+                <a:latin typeface="Roboto" panose="020B0604020202020204" pitchFamily="2" charset="0"/>
               </a:rPr>
-              <a:t> cioè di valutazione del rischio che va a studiare il rischio legato alla mortalità delle api da miele. L’approccio  utilizzato per questo studio ha riguardato la predizione di interazioni tra le proteine delle api con i pesticidi attualmente in commercio utilizzati in agricoltura. Questo studio è stato realizzato utilizzando il docking molecolare. Questo approccio risulta essere complicato per i studiosi di biochimica in quanto complesso e bisognoso di molto tempo se fatto a mano. Permetter di approcciare quest’analisi ad una platea più grande </a:t>
+              <a:t>, ovvero di valutazione del rischio, sugli effetti dei pesticidi sulla mortalità delle api da miele mediante la </a:t>
+            </a:r>
+            <a:r>
+              <a:rPr lang="it-IT" b="0" i="0" dirty="0" err="1">
+                <a:solidFill>
+                  <a:srgbClr val="202124"/>
+                </a:solidFill>
+                <a:effectLst/>
+                <a:latin typeface="Roboto" panose="020B0604020202020204" pitchFamily="2" charset="0"/>
+              </a:rPr>
+              <a:t>predizoine</a:t>
+            </a:r>
+            <a:r>
+              <a:rPr lang="it-IT" b="0" i="0" dirty="0">
+                <a:solidFill>
+                  <a:srgbClr val="202124"/>
+                </a:solidFill>
+                <a:effectLst/>
+                <a:latin typeface="Roboto" panose="020B0604020202020204" pitchFamily="2" charset="0"/>
+              </a:rPr>
+              <a:t> delle loro interazioni con le proteine delle api. Questi studi utilizzano software per il docking molecolare e sono time </a:t>
+            </a:r>
+            <a:r>
+              <a:rPr lang="it-IT" b="0" i="0" dirty="0" err="1">
+                <a:solidFill>
+                  <a:srgbClr val="202124"/>
+                </a:solidFill>
+                <a:effectLst/>
+                <a:latin typeface="Roboto" panose="020B0604020202020204" pitchFamily="2" charset="0"/>
+              </a:rPr>
+              <a:t>consuming</a:t>
+            </a:r>
+            <a:r>
+              <a:rPr lang="it-IT" b="0" i="0" dirty="0">
+                <a:solidFill>
+                  <a:srgbClr val="202124"/>
+                </a:solidFill>
+                <a:effectLst/>
+                <a:latin typeface="Roboto" panose="020B0604020202020204" pitchFamily="2" charset="0"/>
+              </a:rPr>
+              <a:t> quando utilizzati per analizzare un gran numero di molecole. </a:t>
             </a:r>
             <a:r>
               <a:rPr lang="it-IT" b="0" i="0">
+                <a:solidFill>
+                  <a:srgbClr val="202124"/>
+                </a:solidFill>
                 <a:effectLst/>
-                <a:latin typeface="Arial" panose="020B0604020202020204" pitchFamily="34" charset="0"/>
+                <a:latin typeface="Roboto" panose="020B0604020202020204" pitchFamily="2" charset="0"/>
               </a:rPr>
-              <a:t>di ricercatori</a:t>
+              <a:t>L'automatizzazione dei vari processi di analisi non è alla portata di tutti i biologi per il differente background </a:t>
+            </a:r>
+            <a:r>
+              <a:rPr lang="it-IT" b="0" i="0">
+                <a:solidFill>
+                  <a:srgbClr val="202124"/>
+                </a:solidFill>
+                <a:effectLst/>
+                <a:latin typeface="Roboto" panose="02000000000000000000" pitchFamily="2" charset="0"/>
+              </a:rPr>
+              <a:t>si è reso quindi necessario sviluppare un'applicazione che potesse rendere questi tipi di studi più accessibile.</a:t>
             </a:r>
             <a:endParaRPr lang="it-IT" dirty="0"/>
           </a:p>
@@ -1975,7 +2045,7 @@
           <a:p>
             <a:fld id="{1BE98FB9-7CC3-4301-8677-166F5CE68269}" type="datetimeFigureOut">
               <a:rPr lang="it-IT" smtClean="0"/>
-              <a:t>11/12/2022</a:t>
+              <a:t>13/12/2022</a:t>
             </a:fld>
             <a:endParaRPr lang="it-IT"/>
           </a:p>
@@ -2173,7 +2243,7 @@
           <a:p>
             <a:fld id="{1BE98FB9-7CC3-4301-8677-166F5CE68269}" type="datetimeFigureOut">
               <a:rPr lang="it-IT" smtClean="0"/>
-              <a:t>11/12/2022</a:t>
+              <a:t>13/12/2022</a:t>
             </a:fld>
             <a:endParaRPr lang="it-IT"/>
           </a:p>
@@ -2381,7 +2451,7 @@
           <a:p>
             <a:fld id="{1BE98FB9-7CC3-4301-8677-166F5CE68269}" type="datetimeFigureOut">
               <a:rPr lang="it-IT" smtClean="0"/>
-              <a:t>11/12/2022</a:t>
+              <a:t>13/12/2022</a:t>
             </a:fld>
             <a:endParaRPr lang="it-IT"/>
           </a:p>
@@ -2579,7 +2649,7 @@
           <a:p>
             <a:fld id="{1BE98FB9-7CC3-4301-8677-166F5CE68269}" type="datetimeFigureOut">
               <a:rPr lang="it-IT" smtClean="0"/>
-              <a:t>11/12/2022</a:t>
+              <a:t>13/12/2022</a:t>
             </a:fld>
             <a:endParaRPr lang="it-IT"/>
           </a:p>
@@ -2854,7 +2924,7 @@
           <a:p>
             <a:fld id="{1BE98FB9-7CC3-4301-8677-166F5CE68269}" type="datetimeFigureOut">
               <a:rPr lang="it-IT" smtClean="0"/>
-              <a:t>11/12/2022</a:t>
+              <a:t>13/12/2022</a:t>
             </a:fld>
             <a:endParaRPr lang="it-IT"/>
           </a:p>
@@ -3119,7 +3189,7 @@
           <a:p>
             <a:fld id="{1BE98FB9-7CC3-4301-8677-166F5CE68269}" type="datetimeFigureOut">
               <a:rPr lang="it-IT" smtClean="0"/>
-              <a:t>11/12/2022</a:t>
+              <a:t>13/12/2022</a:t>
             </a:fld>
             <a:endParaRPr lang="it-IT"/>
           </a:p>
@@ -3531,7 +3601,7 @@
           <a:p>
             <a:fld id="{1BE98FB9-7CC3-4301-8677-166F5CE68269}" type="datetimeFigureOut">
               <a:rPr lang="it-IT" smtClean="0"/>
-              <a:t>11/12/2022</a:t>
+              <a:t>13/12/2022</a:t>
             </a:fld>
             <a:endParaRPr lang="it-IT"/>
           </a:p>
@@ -3672,7 +3742,7 @@
           <a:p>
             <a:fld id="{1BE98FB9-7CC3-4301-8677-166F5CE68269}" type="datetimeFigureOut">
               <a:rPr lang="it-IT" smtClean="0"/>
-              <a:t>11/12/2022</a:t>
+              <a:t>13/12/2022</a:t>
             </a:fld>
             <a:endParaRPr lang="it-IT"/>
           </a:p>
@@ -3785,7 +3855,7 @@
           <a:p>
             <a:fld id="{1BE98FB9-7CC3-4301-8677-166F5CE68269}" type="datetimeFigureOut">
               <a:rPr lang="it-IT" smtClean="0"/>
-              <a:t>11/12/2022</a:t>
+              <a:t>13/12/2022</a:t>
             </a:fld>
             <a:endParaRPr lang="it-IT"/>
           </a:p>
@@ -4096,7 +4166,7 @@
           <a:p>
             <a:fld id="{1BE98FB9-7CC3-4301-8677-166F5CE68269}" type="datetimeFigureOut">
               <a:rPr lang="it-IT" smtClean="0"/>
-              <a:t>11/12/2022</a:t>
+              <a:t>13/12/2022</a:t>
             </a:fld>
             <a:endParaRPr lang="it-IT"/>
           </a:p>
@@ -4384,7 +4454,7 @@
           <a:p>
             <a:fld id="{1BE98FB9-7CC3-4301-8677-166F5CE68269}" type="datetimeFigureOut">
               <a:rPr lang="it-IT" smtClean="0"/>
-              <a:t>11/12/2022</a:t>
+              <a:t>13/12/2022</a:t>
             </a:fld>
             <a:endParaRPr lang="it-IT"/>
           </a:p>
@@ -4625,7 +4695,7 @@
           <a:p>
             <a:fld id="{1BE98FB9-7CC3-4301-8677-166F5CE68269}" type="datetimeFigureOut">
               <a:rPr lang="it-IT" smtClean="0"/>
-              <a:t>11/12/2022</a:t>
+              <a:t>13/12/2022</a:t>
             </a:fld>
             <a:endParaRPr lang="it-IT"/>
           </a:p>
